--- a/_site/translations/en-us/RobotGame/Shielding.pptx
+++ b/_site/translations/en-us/RobotGame/Shielding.pptx
@@ -224,7 +224,7 @@
           <a:p>
             <a:fld id="{E354B44E-40A3-0E46-B16A-9BF1250A248B}" type="datetimeFigureOut">
               <a:rPr lang="en-US" smtClean="0"/>
-              <a:t>6/11/18</a:t>
+              <a:t>10/28/22</a:t>
             </a:fld>
             <a:endParaRPr lang="en-US"/>
           </a:p>
@@ -390,7 +390,7 @@
           <a:p>
             <a:fld id="{C86AD16C-2DB4-6642-BAD4-9ED973A087A0}" type="datetimeFigureOut">
               <a:rPr lang="en-US" smtClean="0"/>
-              <a:t>6/11/18</a:t>
+              <a:t>10/28/22</a:t>
             </a:fld>
             <a:endParaRPr lang="en-US"/>
           </a:p>
@@ -1017,9 +1017,9 @@
           <a:bodyPr/>
           <a:lstStyle/>
           <a:p>
-            <a:fld id="{562BF0C2-983C-4B29-9F14-B14567104B77}" type="datetime1">
+            <a:fld id="{DBB6341E-EEC8-1C48-8C36-F6A56A1BD518}" type="datetime1">
               <a:rPr lang="en-US" smtClean="0"/>
-              <a:t>6/11/18</a:t>
+              <a:t>10/28/22</a:t>
             </a:fld>
             <a:endParaRPr lang="en-US"/>
           </a:p>
@@ -1042,7 +1042,7 @@
           <a:p>
             <a:r>
               <a:rPr lang="en-US"/>
-              <a:t>© 2018, FLL Tutorials, Last Edit 6/11/2018</a:t>
+              <a:t>© 2022, FLL Tutorials</a:t>
             </a:r>
           </a:p>
         </p:txBody>
@@ -1613,9 +1613,9 @@
           <a:bodyPr/>
           <a:lstStyle/>
           <a:p>
-            <a:fld id="{66E345DB-01B3-49FB-862D-AEA4AAC0F187}" type="datetime1">
+            <a:fld id="{EE1F1209-12CE-0D46-B0E2-D7BC94A3A314}" type="datetime1">
               <a:rPr lang="en-US" smtClean="0"/>
-              <a:t>6/11/18</a:t>
+              <a:t>10/28/22</a:t>
             </a:fld>
             <a:endParaRPr lang="en-US"/>
           </a:p>
@@ -1638,7 +1638,7 @@
           <a:p>
             <a:r>
               <a:rPr lang="en-US"/>
-              <a:t>© 2018, FLL Tutorials, Last Edit 6/11/2018</a:t>
+              <a:t>© 2022, FLL Tutorials</a:t>
             </a:r>
           </a:p>
         </p:txBody>
@@ -1794,9 +1794,9 @@
           <a:bodyPr/>
           <a:lstStyle/>
           <a:p>
-            <a:fld id="{EEAD0E95-A77C-40D7-8086-B7186A8818F9}" type="datetime1">
+            <a:fld id="{8BCE2023-2669-714F-98BD-AE0C74B05662}" type="datetime1">
               <a:rPr lang="en-US" smtClean="0"/>
-              <a:t>6/11/18</a:t>
+              <a:t>10/28/22</a:t>
             </a:fld>
             <a:endParaRPr lang="en-US"/>
           </a:p>
@@ -1819,7 +1819,7 @@
           <a:p>
             <a:r>
               <a:rPr lang="en-US"/>
-              <a:t>© 2018, FLL Tutorials, Last Edit 6/11/2018</a:t>
+              <a:t>© 2022, FLL Tutorials</a:t>
             </a:r>
           </a:p>
         </p:txBody>
@@ -2010,9 +2010,9 @@
           <a:bodyPr/>
           <a:lstStyle/>
           <a:p>
-            <a:fld id="{06C023DF-A295-4037-B609-1BC6C0AD82F0}" type="datetime1">
+            <a:fld id="{13B9E716-1A02-4F46-8919-9C2A54591FE4}" type="datetime1">
               <a:rPr lang="en-US" smtClean="0"/>
-              <a:t>6/11/18</a:t>
+              <a:t>10/28/22</a:t>
             </a:fld>
             <a:endParaRPr lang="en-US"/>
           </a:p>
@@ -2040,7 +2040,7 @@
           <a:p>
             <a:r>
               <a:rPr lang="en-US"/>
-              <a:t>© 2018, FLL Tutorials, Last Edit 6/11/2018</a:t>
+              <a:t>© 2022, FLL Tutorials</a:t>
             </a:r>
           </a:p>
         </p:txBody>
@@ -2230,7 +2230,7 @@
           <a:noFill/>
           <a:extLst>
             <a:ext uri="{909E8E84-426E-40dd-AFC4-6F175D3DCCD1}">
-              <a14:hiddenFill xmlns:a14="http://schemas.microsoft.com/office/drawing/2010/main" xmlns="">
+              <a14:hiddenFill xmlns="" xmlns:a14="http://schemas.microsoft.com/office/drawing/2010/main">
                 <a:solidFill>
                   <a:srgbClr val="FFFFFF"/>
                 </a:solidFill>
@@ -2854,9 +2854,9 @@
           <a:bodyPr/>
           <a:lstStyle/>
           <a:p>
-            <a:fld id="{7E0037DF-EA4D-49E6-985A-E3F1F6B158A4}" type="datetime1">
+            <a:fld id="{318B68D9-F021-2342-8B34-BD69457CA268}" type="datetime1">
               <a:rPr lang="en-US" smtClean="0"/>
-              <a:t>6/11/18</a:t>
+              <a:t>10/28/22</a:t>
             </a:fld>
             <a:endParaRPr lang="en-US"/>
           </a:p>
@@ -2879,7 +2879,7 @@
           <a:p>
             <a:r>
               <a:rPr lang="en-US"/>
-              <a:t>© 2018, FLL Tutorials, Last Edit 6/11/2018</a:t>
+              <a:t>© 2022, FLL Tutorials</a:t>
             </a:r>
           </a:p>
         </p:txBody>
@@ -3119,9 +3119,9 @@
           <a:bodyPr/>
           <a:lstStyle/>
           <a:p>
-            <a:fld id="{D554E7F5-27B0-4452-93DA-83F10E39F965}" type="datetime1">
+            <a:fld id="{17A0DA58-1C36-EE4E-AA63-C770730556A8}" type="datetime1">
               <a:rPr lang="en-US" smtClean="0"/>
-              <a:t>6/11/18</a:t>
+              <a:t>10/28/22</a:t>
             </a:fld>
             <a:endParaRPr lang="en-US"/>
           </a:p>
@@ -3175,7 +3175,7 @@
           <a:p>
             <a:r>
               <a:rPr lang="en-US"/>
-              <a:t>© 2018, FLL Tutorials, Last Edit 6/11/2018</a:t>
+              <a:t>© 2022, FLL Tutorials</a:t>
             </a:r>
           </a:p>
         </p:txBody>
@@ -3422,9 +3422,9 @@
           <a:bodyPr/>
           <a:lstStyle/>
           <a:p>
-            <a:fld id="{95EB25CB-3B10-49F4-BCA7-D76ED3EA59C5}" type="datetime1">
+            <a:fld id="{52E53A9D-EE90-3B4B-AD71-19B076217C18}" type="datetime1">
               <a:rPr lang="en-US" smtClean="0"/>
-              <a:t>6/11/18</a:t>
+              <a:t>10/28/22</a:t>
             </a:fld>
             <a:endParaRPr lang="en-US"/>
           </a:p>
@@ -3447,7 +3447,7 @@
           <a:p>
             <a:r>
               <a:rPr lang="en-US"/>
-              <a:t>© 2018, FLL Tutorials, Last Edit 6/11/2018</a:t>
+              <a:t>© 2022, FLL Tutorials</a:t>
             </a:r>
           </a:p>
         </p:txBody>
@@ -3876,9 +3876,9 @@
           <a:bodyPr/>
           <a:lstStyle/>
           <a:p>
-            <a:fld id="{2B0320B9-6645-40BB-A1A4-8F89005E7686}" type="datetime1">
+            <a:fld id="{882DA6D4-2207-9E49-B6BF-9994C3EF247D}" type="datetime1">
               <a:rPr lang="en-US" smtClean="0"/>
-              <a:t>6/11/18</a:t>
+              <a:t>10/28/22</a:t>
             </a:fld>
             <a:endParaRPr lang="en-US"/>
           </a:p>
@@ -3901,7 +3901,7 @@
           <a:p>
             <a:r>
               <a:rPr lang="en-US"/>
-              <a:t>© 2018, FLL Tutorials, Last Edit 6/11/2018</a:t>
+              <a:t>© 2022, FLL Tutorials</a:t>
             </a:r>
           </a:p>
         </p:txBody>
@@ -4004,9 +4004,9 @@
           <a:bodyPr/>
           <a:lstStyle/>
           <a:p>
-            <a:fld id="{AD6904DB-AC8E-4E1D-994A-CE8E5497BA00}" type="datetime1">
+            <a:fld id="{67D9B1AE-B149-1848-9DCB-7050AAFCEE1D}" type="datetime1">
               <a:rPr lang="en-US" smtClean="0"/>
-              <a:t>6/11/18</a:t>
+              <a:t>10/28/22</a:t>
             </a:fld>
             <a:endParaRPr lang="en-US"/>
           </a:p>
@@ -4029,7 +4029,7 @@
           <a:p>
             <a:r>
               <a:rPr lang="en-US"/>
-              <a:t>© 2018, FLL Tutorials, Last Edit 6/11/2018</a:t>
+              <a:t>© 2022, FLL Tutorials</a:t>
             </a:r>
           </a:p>
         </p:txBody>
@@ -4110,9 +4110,9 @@
           <a:bodyPr/>
           <a:lstStyle/>
           <a:p>
-            <a:fld id="{A4A84CB4-DB8D-4F2D-82D8-299D4386CAE2}" type="datetime1">
+            <a:fld id="{9667A87D-611F-AF47-8BC4-C502AACCB9C3}" type="datetime1">
               <a:rPr lang="en-US" smtClean="0"/>
-              <a:t>6/11/18</a:t>
+              <a:t>10/28/22</a:t>
             </a:fld>
             <a:endParaRPr lang="en-US"/>
           </a:p>
@@ -4135,7 +4135,7 @@
           <a:p>
             <a:r>
               <a:rPr lang="en-US"/>
-              <a:t>© 2018, FLL Tutorials, Last Edit 6/11/2018</a:t>
+              <a:t>© 2022, FLL Tutorials</a:t>
             </a:r>
           </a:p>
         </p:txBody>
@@ -4368,9 +4368,9 @@
           <a:bodyPr/>
           <a:lstStyle/>
           <a:p>
-            <a:fld id="{A690F5C5-5EAF-4D3B-950A-29D65837796C}" type="datetime1">
+            <a:fld id="{B98EB033-BF00-5F4A-BE1A-A75C0A44D5FA}" type="datetime1">
               <a:rPr lang="en-US" smtClean="0"/>
-              <a:t>6/11/18</a:t>
+              <a:t>10/28/22</a:t>
             </a:fld>
             <a:endParaRPr lang="en-US"/>
           </a:p>
@@ -4393,7 +4393,7 @@
           <a:p>
             <a:r>
               <a:rPr lang="en-US"/>
-              <a:t>© 2018, FLL Tutorials, Last Edit 6/11/2018</a:t>
+              <a:t>© 2022, FLL Tutorials</a:t>
             </a:r>
           </a:p>
         </p:txBody>
@@ -4580,9 +4580,9 @@
           <a:bodyPr/>
           <a:lstStyle/>
           <a:p>
-            <a:fld id="{616B0D67-DC75-4B23-A065-3094BAFB5709}" type="datetime1">
+            <a:fld id="{F41E9B39-E715-CD44-B67F-3B6CC5243319}" type="datetime1">
               <a:rPr lang="en-US" smtClean="0"/>
-              <a:t>6/11/18</a:t>
+              <a:t>10/28/22</a:t>
             </a:fld>
             <a:endParaRPr lang="en-US"/>
           </a:p>
@@ -4605,7 +4605,7 @@
           <a:p>
             <a:r>
               <a:rPr lang="en-US"/>
-              <a:t>© 2018, FLL Tutorials, Last Edit 6/11/2018</a:t>
+              <a:t>© 2022, FLL Tutorials</a:t>
             </a:r>
           </a:p>
         </p:txBody>
@@ -4863,9 +4863,9 @@
           <a:bodyPr/>
           <a:lstStyle/>
           <a:p>
-            <a:fld id="{A3E2CE31-CB6A-4A4B-9D86-B10299DCA848}" type="datetime1">
+            <a:fld id="{8A1F7F04-3DC0-2A44-9BC9-524186B740EC}" type="datetime1">
               <a:rPr lang="en-US" smtClean="0"/>
-              <a:t>6/11/18</a:t>
+              <a:t>10/28/22</a:t>
             </a:fld>
             <a:endParaRPr lang="en-US"/>
           </a:p>
@@ -4888,7 +4888,7 @@
           <a:p>
             <a:r>
               <a:rPr lang="en-US"/>
-              <a:t>© 2018, FLL Tutorials, Last Edit 6/11/2018</a:t>
+              <a:t>© 2022, FLL Tutorials</a:t>
             </a:r>
           </a:p>
         </p:txBody>
@@ -5130,9 +5130,9 @@
           <a:bodyPr/>
           <a:lstStyle/>
           <a:p>
-            <a:fld id="{52F7DAB0-487A-4CAE-A12F-3163D1FED300}" type="datetime1">
+            <a:fld id="{4236740C-FA49-4E44-A63B-A3C9E6D9DC8E}" type="datetime1">
               <a:rPr lang="en-US" smtClean="0"/>
-              <a:t>6/11/18</a:t>
+              <a:t>10/28/22</a:t>
             </a:fld>
             <a:endParaRPr lang="en-US"/>
           </a:p>
@@ -5155,7 +5155,7 @@
           <a:p>
             <a:r>
               <a:rPr lang="en-US"/>
-              <a:t>© 2018, FLL Tutorials, Last Edit 6/11/2018</a:t>
+              <a:t>© 2022, FLL Tutorials</a:t>
             </a:r>
           </a:p>
         </p:txBody>
@@ -5319,9 +5319,9 @@
           <a:bodyPr/>
           <a:lstStyle/>
           <a:p>
-            <a:fld id="{C554BF36-D16A-407A-8069-85BDF536F791}" type="datetime1">
+            <a:fld id="{6A795FC1-31A6-B946-B63E-0E7CC9729020}" type="datetime1">
               <a:rPr lang="en-US" smtClean="0"/>
-              <a:t>6/11/18</a:t>
+              <a:t>10/28/22</a:t>
             </a:fld>
             <a:endParaRPr lang="en-US"/>
           </a:p>
@@ -5344,7 +5344,7 @@
           <a:p>
             <a:r>
               <a:rPr lang="en-US"/>
-              <a:t>© 2018, FLL Tutorials, Last Edit 6/11/2018</a:t>
+              <a:t>© 2022, FLL Tutorials</a:t>
             </a:r>
           </a:p>
         </p:txBody>
@@ -5520,9 +5520,9 @@
           <a:bodyPr/>
           <a:lstStyle/>
           <a:p>
-            <a:fld id="{A50247C2-445A-4066-9D57-522480AB5D2F}" type="datetime1">
+            <a:fld id="{827F0AD7-2C04-4E41-88F0-1CBDB0AF8402}" type="datetime1">
               <a:rPr lang="en-US" smtClean="0"/>
-              <a:t>6/11/18</a:t>
+              <a:t>10/28/22</a:t>
             </a:fld>
             <a:endParaRPr lang="en-US"/>
           </a:p>
@@ -5545,7 +5545,7 @@
           <a:p>
             <a:r>
               <a:rPr lang="en-US"/>
-              <a:t>© 2018, FLL Tutorials, Last Edit 6/11/2018</a:t>
+              <a:t>© 2022, FLL Tutorials</a:t>
             </a:r>
           </a:p>
         </p:txBody>
@@ -5691,9 +5691,9 @@
           <a:bodyPr/>
           <a:lstStyle/>
           <a:p>
-            <a:fld id="{CA01C903-FFD1-4595-883B-CFE19B916F1A}" type="datetime1">
+            <a:fld id="{7B7440FD-6D6F-3845-9ACA-27064F046E4F}" type="datetime1">
               <a:rPr lang="en-US" smtClean="0"/>
-              <a:t>6/11/18</a:t>
+              <a:t>10/28/22</a:t>
             </a:fld>
             <a:endParaRPr lang="en-US"/>
           </a:p>
@@ -5716,7 +5716,7 @@
           <a:p>
             <a:r>
               <a:rPr lang="en-US"/>
-              <a:t>© 2018, FLL Tutorials, Last Edit 6/11/2018</a:t>
+              <a:t>© 2022, FLL Tutorials</a:t>
             </a:r>
           </a:p>
         </p:txBody>
@@ -5939,9 +5939,9 @@
           <a:bodyPr/>
           <a:lstStyle/>
           <a:p>
-            <a:fld id="{972AAF73-4577-4F7E-9FC7-2BE5506C8047}" type="datetime1">
+            <a:fld id="{335143AF-07E0-AD4D-B417-948B5F9C4C8A}" type="datetime1">
               <a:rPr lang="en-US" smtClean="0"/>
-              <a:t>6/11/18</a:t>
+              <a:t>10/28/22</a:t>
             </a:fld>
             <a:endParaRPr lang="en-US"/>
           </a:p>
@@ -5964,7 +5964,7 @@
           <a:p>
             <a:r>
               <a:rPr lang="en-US"/>
-              <a:t>© 2018, FLL Tutorials, Last Edit 6/11/2018</a:t>
+              <a:t>© 2022, FLL Tutorials</a:t>
             </a:r>
           </a:p>
         </p:txBody>
@@ -6171,9 +6171,9 @@
           <a:bodyPr/>
           <a:lstStyle/>
           <a:p>
-            <a:fld id="{C27679E5-0220-4418-A24A-DA2729154679}" type="datetime1">
+            <a:fld id="{8B23F049-A8E1-034F-82EF-80ADD7E92585}" type="datetime1">
               <a:rPr lang="en-US" smtClean="0"/>
-              <a:t>6/11/18</a:t>
+              <a:t>10/28/22</a:t>
             </a:fld>
             <a:endParaRPr lang="en-US"/>
           </a:p>
@@ -6196,7 +6196,7 @@
           <a:p>
             <a:r>
               <a:rPr lang="en-US"/>
-              <a:t>© 2018, FLL Tutorials, Last Edit 6/11/2018</a:t>
+              <a:t>© 2022, FLL Tutorials</a:t>
             </a:r>
           </a:p>
         </p:txBody>
@@ -6538,9 +6538,9 @@
           <a:bodyPr/>
           <a:lstStyle/>
           <a:p>
-            <a:fld id="{D980F1CB-1F32-438A-BD7A-4D61AB6D7D9A}" type="datetime1">
+            <a:fld id="{8E713E2D-A0DA-2F4F-A3F4-79F8D24AE626}" type="datetime1">
               <a:rPr lang="en-US" smtClean="0"/>
-              <a:t>6/11/18</a:t>
+              <a:t>10/28/22</a:t>
             </a:fld>
             <a:endParaRPr lang="en-US"/>
           </a:p>
@@ -6563,7 +6563,7 @@
           <a:p>
             <a:r>
               <a:rPr lang="en-US"/>
-              <a:t>© 2018, FLL Tutorials, Last Edit 6/11/2018</a:t>
+              <a:t>© 2022, FLL Tutorials</a:t>
             </a:r>
           </a:p>
         </p:txBody>
@@ -6658,9 +6658,9 @@
           <a:bodyPr/>
           <a:lstStyle/>
           <a:p>
-            <a:fld id="{7E6496A6-CAF1-4914-8FBF-1A0296C1862A}" type="datetime1">
+            <a:fld id="{54A0D486-F0C8-344C-9CF0-E5C882E1D271}" type="datetime1">
               <a:rPr lang="en-US" smtClean="0"/>
-              <a:t>6/11/18</a:t>
+              <a:t>10/28/22</a:t>
             </a:fld>
             <a:endParaRPr lang="en-US"/>
           </a:p>
@@ -6683,7 +6683,7 @@
           <a:p>
             <a:r>
               <a:rPr lang="en-US"/>
-              <a:t>© 2018, FLL Tutorials, Last Edit 6/11/2018</a:t>
+              <a:t>© 2022, FLL Tutorials</a:t>
             </a:r>
           </a:p>
         </p:txBody>
@@ -6756,9 +6756,9 @@
           <a:bodyPr/>
           <a:lstStyle/>
           <a:p>
-            <a:fld id="{CE9B05A1-C7DD-4116-BF47-D22B46A17FB1}" type="datetime1">
+            <a:fld id="{2CBE5D0B-BE38-3141-8548-DEA0B6F9B639}" type="datetime1">
               <a:rPr lang="en-US" smtClean="0"/>
-              <a:t>6/11/18</a:t>
+              <a:t>10/28/22</a:t>
             </a:fld>
             <a:endParaRPr lang="en-US"/>
           </a:p>
@@ -6781,7 +6781,7 @@
           <a:p>
             <a:r>
               <a:rPr lang="en-US"/>
-              <a:t>© 2018, FLL Tutorials, Last Edit 6/11/2018</a:t>
+              <a:t>© 2022, FLL Tutorials</a:t>
             </a:r>
           </a:p>
         </p:txBody>
@@ -7013,9 +7013,9 @@
           <a:bodyPr/>
           <a:lstStyle/>
           <a:p>
-            <a:fld id="{327E20DE-955C-4579-8CE5-2F40D555C1A0}" type="datetime1">
+            <a:fld id="{D2E33830-EF31-9A44-9FA3-1DDD07A1C999}" type="datetime1">
               <a:rPr lang="en-US" smtClean="0"/>
-              <a:t>6/11/18</a:t>
+              <a:t>10/28/22</a:t>
             </a:fld>
             <a:endParaRPr lang="en-US"/>
           </a:p>
@@ -7061,7 +7061,7 @@
           <a:p>
             <a:r>
               <a:rPr lang="en-US"/>
-              <a:t>© 2018, FLL Tutorials, Last Edit 6/11/2018</a:t>
+              <a:t>© 2022, FLL Tutorials</a:t>
             </a:r>
           </a:p>
         </p:txBody>
@@ -7291,9 +7291,9 @@
           <a:bodyPr/>
           <a:lstStyle/>
           <a:p>
-            <a:fld id="{B846A3BC-694D-4801-A24D-A477BEC39FFA}" type="datetime1">
+            <a:fld id="{9BAE9E7E-9EFA-2642-B30E-6FA7AE1B1C68}" type="datetime1">
               <a:rPr lang="en-US" smtClean="0"/>
-              <a:t>6/11/18</a:t>
+              <a:t>10/28/22</a:t>
             </a:fld>
             <a:endParaRPr lang="en-US"/>
           </a:p>
@@ -7316,7 +7316,7 @@
           <a:p>
             <a:r>
               <a:rPr lang="en-US"/>
-              <a:t>© 2018, FLL Tutorials, Last Edit 6/11/2018</a:t>
+              <a:t>© 2022, FLL Tutorials</a:t>
             </a:r>
           </a:p>
         </p:txBody>
@@ -7549,9 +7549,9 @@
           <a:bodyPr/>
           <a:lstStyle/>
           <a:p>
-            <a:fld id="{18EE95F5-5F0B-4712-B0B4-7F655EA033C5}" type="datetime1">
+            <a:fld id="{1B9CF468-4981-7A40-A807-3B08C163EDC5}" type="datetime1">
               <a:rPr lang="en-US" smtClean="0"/>
-              <a:t>6/11/18</a:t>
+              <a:t>10/28/22</a:t>
             </a:fld>
             <a:endParaRPr lang="en-US"/>
           </a:p>
@@ -7574,7 +7574,7 @@
           <a:p>
             <a:r>
               <a:rPr lang="en-US"/>
-              <a:t>© 2018, FLL Tutorials, Last Edit 6/11/2018</a:t>
+              <a:t>© 2022, FLL Tutorials</a:t>
             </a:r>
           </a:p>
         </p:txBody>
@@ -7720,9 +7720,9 @@
           <a:bodyPr/>
           <a:lstStyle/>
           <a:p>
-            <a:fld id="{6AFBA00A-85A5-463E-A4E5-F224C223B26C}" type="datetime1">
+            <a:fld id="{17A36871-95EE-4448-98EB-0F0A3DC71F4B}" type="datetime1">
               <a:rPr lang="en-US" smtClean="0"/>
-              <a:t>6/11/18</a:t>
+              <a:t>10/28/22</a:t>
             </a:fld>
             <a:endParaRPr lang="en-US"/>
           </a:p>
@@ -7745,7 +7745,7 @@
           <a:p>
             <a:r>
               <a:rPr lang="en-US"/>
-              <a:t>© 2018, FLL Tutorials, Last Edit 6/11/2018</a:t>
+              <a:t>© 2022, FLL Tutorials</a:t>
             </a:r>
           </a:p>
         </p:txBody>
@@ -7901,9 +7901,9 @@
           <a:bodyPr/>
           <a:lstStyle/>
           <a:p>
-            <a:fld id="{4CC2CD51-FB81-453D-B543-EBE52BADFCAF}" type="datetime1">
+            <a:fld id="{ADDD1D69-9795-5245-8175-06150096A74E}" type="datetime1">
               <a:rPr lang="en-US" smtClean="0"/>
-              <a:t>6/11/18</a:t>
+              <a:t>10/28/22</a:t>
             </a:fld>
             <a:endParaRPr lang="en-US"/>
           </a:p>
@@ -7926,7 +7926,7 @@
           <a:p>
             <a:r>
               <a:rPr lang="en-US"/>
-              <a:t>© 2018, FLL Tutorials, Last Edit 6/11/2018</a:t>
+              <a:t>© 2022, FLL Tutorials</a:t>
             </a:r>
           </a:p>
         </p:txBody>
@@ -8158,9 +8158,9 @@
           <a:bodyPr/>
           <a:lstStyle/>
           <a:p>
-            <a:fld id="{CCC195DC-3CC5-4F9A-9755-028E6F3C8F6E}" type="datetime1">
+            <a:fld id="{653BCB5D-FA56-3F4E-9CD0-3277584D34EB}" type="datetime1">
               <a:rPr lang="en-US" smtClean="0"/>
-              <a:t>6/11/18</a:t>
+              <a:t>10/28/22</a:t>
             </a:fld>
             <a:endParaRPr lang="en-US"/>
           </a:p>
@@ -8183,7 +8183,7 @@
           <a:p>
             <a:r>
               <a:rPr lang="en-US"/>
-              <a:t>© 2018, FLL Tutorials, Last Edit 6/11/2018</a:t>
+              <a:t>© 2022, FLL Tutorials</a:t>
             </a:r>
           </a:p>
         </p:txBody>
@@ -9182,9 +9182,9 @@
           <a:bodyPr/>
           <a:lstStyle/>
           <a:p>
-            <a:fld id="{542E4CB0-7CF5-4C42-82C7-01F486A302D4}" type="datetime1">
+            <a:fld id="{8EA12634-9CE0-474E-9EBA-D8AF1B50F16F}" type="datetime1">
               <a:rPr lang="en-US" smtClean="0"/>
-              <a:t>6/11/18</a:t>
+              <a:t>10/28/22</a:t>
             </a:fld>
             <a:endParaRPr lang="en-US"/>
           </a:p>
@@ -9207,7 +9207,7 @@
           <a:p>
             <a:r>
               <a:rPr lang="en-US"/>
-              <a:t>© 2018, FLL Tutorials, Last Edit 6/11/2018</a:t>
+              <a:t>© 2022, FLL Tutorials</a:t>
             </a:r>
           </a:p>
         </p:txBody>
@@ -9444,9 +9444,9 @@
           <a:bodyPr/>
           <a:lstStyle/>
           <a:p>
-            <a:fld id="{44ABA092-D8E5-4075-B6DF-F9B628E66904}" type="datetime1">
+            <a:fld id="{90C7DCCE-48B8-6348-91C4-97CB73083528}" type="datetime1">
               <a:rPr lang="en-US" smtClean="0"/>
-              <a:t>6/11/18</a:t>
+              <a:t>10/28/22</a:t>
             </a:fld>
             <a:endParaRPr lang="en-US"/>
           </a:p>
@@ -9492,7 +9492,7 @@
           <a:p>
             <a:r>
               <a:rPr lang="en-US"/>
-              <a:t>© 2018, FLL Tutorials, Last Edit 6/11/2018</a:t>
+              <a:t>© 2022, FLL Tutorials</a:t>
             </a:r>
           </a:p>
         </p:txBody>
@@ -9739,9 +9739,9 @@
           <a:bodyPr/>
           <a:lstStyle/>
           <a:p>
-            <a:fld id="{E158D6DE-3F66-4E03-8A9D-23E09DAA05BC}" type="datetime1">
+            <a:fld id="{38553DBC-B12B-AA4D-BA69-428A2D2E54D9}" type="datetime1">
               <a:rPr lang="en-US" smtClean="0"/>
-              <a:t>6/11/18</a:t>
+              <a:t>10/28/22</a:t>
             </a:fld>
             <a:endParaRPr lang="en-US"/>
           </a:p>
@@ -9764,7 +9764,7 @@
           <a:p>
             <a:r>
               <a:rPr lang="en-US"/>
-              <a:t>© 2018, FLL Tutorials, Last Edit 6/11/2018</a:t>
+              <a:t>© 2022, FLL Tutorials</a:t>
             </a:r>
           </a:p>
         </p:txBody>
@@ -10185,9 +10185,9 @@
           <a:bodyPr/>
           <a:lstStyle/>
           <a:p>
-            <a:fld id="{F4D5272B-61CA-49DD-8798-C7D0AC5036FB}" type="datetime1">
+            <a:fld id="{F16BEB11-9633-E04F-8286-27B6BCBB2B3F}" type="datetime1">
               <a:rPr lang="en-US" smtClean="0"/>
-              <a:t>6/11/18</a:t>
+              <a:t>10/28/22</a:t>
             </a:fld>
             <a:endParaRPr lang="en-US"/>
           </a:p>
@@ -10210,7 +10210,7 @@
           <a:p>
             <a:r>
               <a:rPr lang="en-US"/>
-              <a:t>© 2018, FLL Tutorials, Last Edit 6/11/2018</a:t>
+              <a:t>© 2022, FLL Tutorials</a:t>
             </a:r>
           </a:p>
         </p:txBody>
@@ -10305,9 +10305,9 @@
           <a:bodyPr/>
           <a:lstStyle/>
           <a:p>
-            <a:fld id="{258CE989-0CA9-4C29-99FC-2D16E135FBB6}" type="datetime1">
+            <a:fld id="{9ADF19DD-CA93-9F4F-83B1-5C6BA5C5DA30}" type="datetime1">
               <a:rPr lang="en-US" smtClean="0"/>
-              <a:t>6/11/18</a:t>
+              <a:t>10/28/22</a:t>
             </a:fld>
             <a:endParaRPr lang="en-US"/>
           </a:p>
@@ -10330,7 +10330,7 @@
           <a:p>
             <a:r>
               <a:rPr lang="en-US"/>
-              <a:t>© 2018, FLL Tutorials, Last Edit 6/11/2018</a:t>
+              <a:t>© 2022, FLL Tutorials</a:t>
             </a:r>
           </a:p>
         </p:txBody>
@@ -10599,9 +10599,9 @@
           <a:bodyPr/>
           <a:lstStyle/>
           <a:p>
-            <a:fld id="{4EE74478-E715-4C6D-A689-D5E6B157804B}" type="datetime1">
+            <a:fld id="{DA8D629B-B15A-824B-B804-96B54BE015CF}" type="datetime1">
               <a:rPr lang="en-US" smtClean="0"/>
-              <a:t>6/11/18</a:t>
+              <a:t>10/28/22</a:t>
             </a:fld>
             <a:endParaRPr lang="en-US"/>
           </a:p>
@@ -10624,7 +10624,7 @@
           <a:p>
             <a:r>
               <a:rPr lang="en-US"/>
-              <a:t>© 2018, FLL Tutorials, Last Edit 6/11/2018</a:t>
+              <a:t>© 2022, FLL Tutorials</a:t>
             </a:r>
           </a:p>
         </p:txBody>
@@ -10697,9 +10697,9 @@
           <a:bodyPr/>
           <a:lstStyle/>
           <a:p>
-            <a:fld id="{15275327-D51C-416D-8364-B1E80C6D73B1}" type="datetime1">
+            <a:fld id="{91909391-A48E-3943-96CF-4E78CBA3223F}" type="datetime1">
               <a:rPr lang="en-US" smtClean="0"/>
-              <a:t>6/11/18</a:t>
+              <a:t>10/28/22</a:t>
             </a:fld>
             <a:endParaRPr lang="en-US"/>
           </a:p>
@@ -10722,7 +10722,7 @@
           <a:p>
             <a:r>
               <a:rPr lang="en-US"/>
-              <a:t>© 2018, FLL Tutorials, Last Edit 6/11/2018</a:t>
+              <a:t>© 2022, FLL Tutorials</a:t>
             </a:r>
           </a:p>
         </p:txBody>
@@ -10947,9 +10947,9 @@
           <a:bodyPr/>
           <a:lstStyle/>
           <a:p>
-            <a:fld id="{FB028DEC-B996-4C63-95C9-6C10C0A356B9}" type="datetime1">
+            <a:fld id="{AF8B2A03-7527-7F4A-90D7-6979382201D7}" type="datetime1">
               <a:rPr lang="en-US" smtClean="0"/>
-              <a:t>6/11/18</a:t>
+              <a:t>10/28/22</a:t>
             </a:fld>
             <a:endParaRPr lang="en-US"/>
           </a:p>
@@ -10972,7 +10972,7 @@
           <a:p>
             <a:r>
               <a:rPr lang="en-US"/>
-              <a:t>© 2018, FLL Tutorials, Last Edit 6/11/2018</a:t>
+              <a:t>© 2022, FLL Tutorials</a:t>
             </a:r>
           </a:p>
         </p:txBody>
@@ -11247,9 +11247,9 @@
           <a:bodyPr/>
           <a:lstStyle/>
           <a:p>
-            <a:fld id="{2D96BF22-91DE-4C95-8221-6E629596F66D}" type="datetime1">
+            <a:fld id="{2A828DFE-A99A-134F-AD9D-FE837690CEFD}" type="datetime1">
               <a:rPr lang="en-US" smtClean="0"/>
-              <a:t>6/11/18</a:t>
+              <a:t>10/28/22</a:t>
             </a:fld>
             <a:endParaRPr lang="en-US"/>
           </a:p>
@@ -11272,7 +11272,7 @@
           <a:p>
             <a:r>
               <a:rPr lang="en-US"/>
-              <a:t>© 2018, FLL Tutorials, Last Edit 6/11/2018</a:t>
+              <a:t>© 2022, FLL Tutorials</a:t>
             </a:r>
           </a:p>
         </p:txBody>
@@ -11506,9 +11506,9 @@
           <a:bodyPr/>
           <a:lstStyle/>
           <a:p>
-            <a:fld id="{87DEE378-869D-43CD-814B-722D09B2B12D}" type="datetime1">
+            <a:fld id="{D0AC7B8E-BA30-0340-94BD-5CB00A23DCDE}" type="datetime1">
               <a:rPr lang="en-US" smtClean="0"/>
-              <a:t>6/11/18</a:t>
+              <a:t>10/28/22</a:t>
             </a:fld>
             <a:endParaRPr lang="en-US"/>
           </a:p>
@@ -11531,7 +11531,7 @@
           <a:p>
             <a:r>
               <a:rPr lang="en-US"/>
-              <a:t>© 2018, FLL Tutorials, Last Edit 6/11/2018</a:t>
+              <a:t>© 2022, FLL Tutorials</a:t>
             </a:r>
           </a:p>
         </p:txBody>
@@ -11687,9 +11687,9 @@
           <a:bodyPr/>
           <a:lstStyle/>
           <a:p>
-            <a:fld id="{9215B4C0-86BB-4254-B025-01BC11DCFE8A}" type="datetime1">
+            <a:fld id="{B21D13DF-2CF8-4A47-B3A7-87536DDC3ABB}" type="datetime1">
               <a:rPr lang="en-US" smtClean="0"/>
-              <a:t>6/11/18</a:t>
+              <a:t>10/28/22</a:t>
             </a:fld>
             <a:endParaRPr lang="en-US"/>
           </a:p>
@@ -11712,7 +11712,7 @@
           <a:p>
             <a:r>
               <a:rPr lang="en-US"/>
-              <a:t>© 2018, FLL Tutorials, Last Edit 6/11/2018</a:t>
+              <a:t>© 2022, FLL Tutorials</a:t>
             </a:r>
           </a:p>
         </p:txBody>
@@ -11903,9 +11903,9 @@
           <a:bodyPr/>
           <a:lstStyle/>
           <a:p>
-            <a:fld id="{E7643207-7CF7-4147-9876-9C093BEC3E11}" type="datetime1">
+            <a:fld id="{9D0B7AF0-FFAF-0748-8CA5-932176C9C38F}" type="datetime1">
               <a:rPr lang="en-US" smtClean="0"/>
-              <a:t>6/11/18</a:t>
+              <a:t>10/28/22</a:t>
             </a:fld>
             <a:endParaRPr lang="en-US"/>
           </a:p>
@@ -11933,7 +11933,7 @@
           <a:p>
             <a:r>
               <a:rPr lang="en-US"/>
-              <a:t>© 2018, FLL Tutorials, Last Edit 6/11/2018</a:t>
+              <a:t>© 2022, FLL Tutorials</a:t>
             </a:r>
           </a:p>
         </p:txBody>
@@ -13159,9 +13159,9 @@
           <a:bodyPr/>
           <a:lstStyle/>
           <a:p>
-            <a:fld id="{63E0A53D-298F-4AA6-8E13-F9DF1003C6C4}" type="datetime1">
+            <a:fld id="{708CE804-FF78-6F4F-96F3-A77A9DAF446A}" type="datetime1">
               <a:rPr lang="en-US" smtClean="0"/>
-              <a:t>6/11/18</a:t>
+              <a:t>10/28/22</a:t>
             </a:fld>
             <a:endParaRPr lang="en-US"/>
           </a:p>
@@ -13184,7 +13184,7 @@
           <a:p>
             <a:r>
               <a:rPr lang="en-US"/>
-              <a:t>© 2018, FLL Tutorials, Last Edit 6/11/2018</a:t>
+              <a:t>© 2022, FLL Tutorials</a:t>
             </a:r>
           </a:p>
         </p:txBody>
@@ -13424,9 +13424,9 @@
           <a:bodyPr/>
           <a:lstStyle/>
           <a:p>
-            <a:fld id="{0381FAA4-B525-4C13-9ADC-F2F35A9F6937}" type="datetime1">
+            <a:fld id="{DFBA8F63-22AC-2048-957B-2FE5FFA3E3CE}" type="datetime1">
               <a:rPr lang="en-US" smtClean="0"/>
-              <a:t>6/11/18</a:t>
+              <a:t>10/28/22</a:t>
             </a:fld>
             <a:endParaRPr lang="en-US"/>
           </a:p>
@@ -13480,7 +13480,7 @@
           <a:p>
             <a:r>
               <a:rPr lang="en-US"/>
-              <a:t>© 2018, FLL Tutorials, Last Edit 6/11/2018</a:t>
+              <a:t>© 2022, FLL Tutorials</a:t>
             </a:r>
           </a:p>
         </p:txBody>
@@ -13727,9 +13727,9 @@
           <a:bodyPr/>
           <a:lstStyle/>
           <a:p>
-            <a:fld id="{3540E135-3737-404D-9015-72C85F03CA09}" type="datetime1">
+            <a:fld id="{481EE238-CBCC-A344-A163-7402B06A4E06}" type="datetime1">
               <a:rPr lang="en-US" smtClean="0"/>
-              <a:t>6/11/18</a:t>
+              <a:t>10/28/22</a:t>
             </a:fld>
             <a:endParaRPr lang="en-US"/>
           </a:p>
@@ -13752,7 +13752,7 @@
           <a:p>
             <a:r>
               <a:rPr lang="en-US"/>
-              <a:t>© 2018, FLL Tutorials, Last Edit 6/11/2018</a:t>
+              <a:t>© 2022, FLL Tutorials</a:t>
             </a:r>
           </a:p>
         </p:txBody>
@@ -14181,9 +14181,9 @@
           <a:bodyPr/>
           <a:lstStyle/>
           <a:p>
-            <a:fld id="{91052528-7FF0-49C8-B22C-2C88C330E8BC}" type="datetime1">
+            <a:fld id="{EC6D4E9E-35AC-C840-BDF8-C2CDA1E7C074}" type="datetime1">
               <a:rPr lang="en-US" smtClean="0"/>
-              <a:t>6/11/18</a:t>
+              <a:t>10/28/22</a:t>
             </a:fld>
             <a:endParaRPr lang="en-US"/>
           </a:p>
@@ -14206,7 +14206,7 @@
           <a:p>
             <a:r>
               <a:rPr lang="en-US"/>
-              <a:t>© 2018, FLL Tutorials, Last Edit 6/11/2018</a:t>
+              <a:t>© 2022, FLL Tutorials</a:t>
             </a:r>
           </a:p>
         </p:txBody>
@@ -14635,9 +14635,9 @@
           <a:bodyPr/>
           <a:lstStyle/>
           <a:p>
-            <a:fld id="{028B7E9C-FE61-401E-ADF1-E437BDD7A5FB}" type="datetime1">
+            <a:fld id="{E87A3AD4-4B4B-E743-90E2-71939D1BCD21}" type="datetime1">
               <a:rPr lang="en-US" smtClean="0"/>
-              <a:t>6/11/18</a:t>
+              <a:t>10/28/22</a:t>
             </a:fld>
             <a:endParaRPr lang="en-US"/>
           </a:p>
@@ -14660,7 +14660,7 @@
           <a:p>
             <a:r>
               <a:rPr lang="en-US"/>
-              <a:t>© 2018, FLL Tutorials, Last Edit 6/11/2018</a:t>
+              <a:t>© 2022, FLL Tutorials</a:t>
             </a:r>
           </a:p>
         </p:txBody>
@@ -14755,9 +14755,9 @@
           <a:bodyPr/>
           <a:lstStyle/>
           <a:p>
-            <a:fld id="{86306EF7-0AE3-4F54-ADD0-6196865E8B35}" type="datetime1">
+            <a:fld id="{25BAF417-F9B6-7C47-B3A2-B472D364C089}" type="datetime1">
               <a:rPr lang="en-US" smtClean="0"/>
-              <a:t>6/11/18</a:t>
+              <a:t>10/28/22</a:t>
             </a:fld>
             <a:endParaRPr lang="en-US"/>
           </a:p>
@@ -14780,7 +14780,7 @@
           <a:p>
             <a:r>
               <a:rPr lang="en-US"/>
-              <a:t>© 2018, FLL Tutorials, Last Edit 6/11/2018</a:t>
+              <a:t>© 2022, FLL Tutorials</a:t>
             </a:r>
           </a:p>
         </p:txBody>
@@ -14861,9 +14861,9 @@
           <a:bodyPr/>
           <a:lstStyle/>
           <a:p>
-            <a:fld id="{1C1C59ED-C8F0-4771-924D-03FBD29510A5}" type="datetime1">
+            <a:fld id="{1ABDF461-E3EC-954D-AA70-F4D2F8F61512}" type="datetime1">
               <a:rPr lang="en-US" smtClean="0"/>
-              <a:t>6/11/18</a:t>
+              <a:t>10/28/22</a:t>
             </a:fld>
             <a:endParaRPr lang="en-US"/>
           </a:p>
@@ -14886,7 +14886,7 @@
           <a:p>
             <a:r>
               <a:rPr lang="en-US"/>
-              <a:t>© 2018, FLL Tutorials, Last Edit 6/11/2018</a:t>
+              <a:t>© 2022, FLL Tutorials</a:t>
             </a:r>
           </a:p>
         </p:txBody>
@@ -15119,9 +15119,9 @@
           <a:bodyPr/>
           <a:lstStyle/>
           <a:p>
-            <a:fld id="{B04F4604-7033-4677-BB91-CF66BFAEB38E}" type="datetime1">
+            <a:fld id="{3215EAEE-1672-B546-BE5C-04734C0B81C0}" type="datetime1">
               <a:rPr lang="en-US" smtClean="0"/>
-              <a:t>6/11/18</a:t>
+              <a:t>10/28/22</a:t>
             </a:fld>
             <a:endParaRPr lang="en-US"/>
           </a:p>
@@ -15144,7 +15144,7 @@
           <a:p>
             <a:r>
               <a:rPr lang="en-US"/>
-              <a:t>© 2018, FLL Tutorials, Last Edit 6/11/2018</a:t>
+              <a:t>© 2022, FLL Tutorials</a:t>
             </a:r>
           </a:p>
         </p:txBody>
@@ -15427,9 +15427,9 @@
           <a:bodyPr/>
           <a:lstStyle/>
           <a:p>
-            <a:fld id="{FF122D46-83CB-4FB8-B2F5-C4F7DEA85956}" type="datetime1">
+            <a:fld id="{7CBD5554-C5BC-1542-8263-31BD435278DF}" type="datetime1">
               <a:rPr lang="en-US" smtClean="0"/>
-              <a:t>6/11/18</a:t>
+              <a:t>10/28/22</a:t>
             </a:fld>
             <a:endParaRPr lang="en-US"/>
           </a:p>
@@ -15452,7 +15452,7 @@
           <a:p>
             <a:r>
               <a:rPr lang="en-US"/>
-              <a:t>© 2018, FLL Tutorials, Last Edit 6/11/2018</a:t>
+              <a:t>© 2022, FLL Tutorials</a:t>
             </a:r>
           </a:p>
         </p:txBody>
@@ -15694,9 +15694,9 @@
           <a:bodyPr/>
           <a:lstStyle/>
           <a:p>
-            <a:fld id="{4A91ED1B-73F7-4D63-BDAE-5A2C3A784198}" type="datetime1">
+            <a:fld id="{35715002-D30F-1E45-BACA-107275F2FFDD}" type="datetime1">
               <a:rPr lang="en-US" smtClean="0"/>
-              <a:t>6/11/18</a:t>
+              <a:t>10/28/22</a:t>
             </a:fld>
             <a:endParaRPr lang="en-US"/>
           </a:p>
@@ -15719,7 +15719,7 @@
           <a:p>
             <a:r>
               <a:rPr lang="en-US"/>
-              <a:t>© 2018, FLL Tutorials, Last Edit 6/11/2018</a:t>
+              <a:t>© 2022, FLL Tutorials</a:t>
             </a:r>
           </a:p>
         </p:txBody>
@@ -15883,9 +15883,9 @@
           <a:bodyPr/>
           <a:lstStyle/>
           <a:p>
-            <a:fld id="{27D7011D-52F7-4023-8B6B-5220E4BAD453}" type="datetime1">
+            <a:fld id="{92563695-1DF2-954D-A50C-5CC9941FA9B9}" type="datetime1">
               <a:rPr lang="en-US" smtClean="0"/>
-              <a:t>6/11/18</a:t>
+              <a:t>10/28/22</a:t>
             </a:fld>
             <a:endParaRPr lang="en-US"/>
           </a:p>
@@ -15908,7 +15908,7 @@
           <a:p>
             <a:r>
               <a:rPr lang="en-US"/>
-              <a:t>© 2018, FLL Tutorials, Last Edit 6/11/2018</a:t>
+              <a:t>© 2022, FLL Tutorials</a:t>
             </a:r>
           </a:p>
         </p:txBody>
@@ -16084,9 +16084,9 @@
           <a:bodyPr/>
           <a:lstStyle/>
           <a:p>
-            <a:fld id="{EAD1064B-6A18-4238-B4B0-BA82E95B3CAD}" type="datetime1">
+            <a:fld id="{C29C55E3-36E3-9F46-ADF5-2ECB7D839909}" type="datetime1">
               <a:rPr lang="en-US" smtClean="0"/>
-              <a:t>6/11/18</a:t>
+              <a:t>10/28/22</a:t>
             </a:fld>
             <a:endParaRPr lang="en-US"/>
           </a:p>
@@ -16109,7 +16109,7 @@
           <a:p>
             <a:r>
               <a:rPr lang="en-US"/>
-              <a:t>© 2018, FLL Tutorials, Last Edit 6/11/2018</a:t>
+              <a:t>© 2022, FLL Tutorials</a:t>
             </a:r>
           </a:p>
         </p:txBody>
@@ -16255,9 +16255,9 @@
           <a:bodyPr/>
           <a:lstStyle/>
           <a:p>
-            <a:fld id="{81C2F5C8-6977-4DEC-8ABC-52534AAA8E80}" type="datetime1">
+            <a:fld id="{6EA1F752-CA6D-4840-9A71-5B98998B96D9}" type="datetime1">
               <a:rPr lang="en-US" smtClean="0"/>
-              <a:t>6/11/18</a:t>
+              <a:t>10/28/22</a:t>
             </a:fld>
             <a:endParaRPr lang="en-US"/>
           </a:p>
@@ -16280,7 +16280,7 @@
           <a:p>
             <a:r>
               <a:rPr lang="en-US"/>
-              <a:t>© 2018, FLL Tutorials, Last Edit 6/11/2018</a:t>
+              <a:t>© 2022, FLL Tutorials</a:t>
             </a:r>
           </a:p>
         </p:txBody>
@@ -16503,9 +16503,9 @@
           <a:bodyPr/>
           <a:lstStyle/>
           <a:p>
-            <a:fld id="{96E58375-74EA-4E61-ACDB-8097A4E3EBB3}" type="datetime1">
+            <a:fld id="{36812445-E491-7D4E-B906-EF4257FF0F9B}" type="datetime1">
               <a:rPr lang="en-US" smtClean="0"/>
-              <a:t>6/11/18</a:t>
+              <a:t>10/28/22</a:t>
             </a:fld>
             <a:endParaRPr lang="en-US"/>
           </a:p>
@@ -16528,7 +16528,7 @@
           <a:p>
             <a:r>
               <a:rPr lang="en-US"/>
-              <a:t>© 2018, FLL Tutorials, Last Edit 6/11/2018</a:t>
+              <a:t>© 2022, FLL Tutorials</a:t>
             </a:r>
           </a:p>
         </p:txBody>
@@ -16735,9 +16735,9 @@
           <a:bodyPr/>
           <a:lstStyle/>
           <a:p>
-            <a:fld id="{EDC983D1-BF86-449C-B7F9-32FE70B4DEE4}" type="datetime1">
+            <a:fld id="{44342B9A-ABDE-9D4D-82A6-888FB30FC731}" type="datetime1">
               <a:rPr lang="en-US" smtClean="0"/>
-              <a:t>6/11/18</a:t>
+              <a:t>10/28/22</a:t>
             </a:fld>
             <a:endParaRPr lang="en-US"/>
           </a:p>
@@ -16760,7 +16760,7 @@
           <a:p>
             <a:r>
               <a:rPr lang="en-US"/>
-              <a:t>© 2018, FLL Tutorials, Last Edit 6/11/2018</a:t>
+              <a:t>© 2022, FLL Tutorials</a:t>
             </a:r>
           </a:p>
         </p:txBody>
@@ -16855,9 +16855,9 @@
           <a:bodyPr/>
           <a:lstStyle/>
           <a:p>
-            <a:fld id="{27707D7E-0512-471B-B6E2-D935BABC110B}" type="datetime1">
+            <a:fld id="{550AE54D-563D-E947-9CF6-F0E674C594E4}" type="datetime1">
               <a:rPr lang="en-US" smtClean="0"/>
-              <a:t>6/11/18</a:t>
+              <a:t>10/28/22</a:t>
             </a:fld>
             <a:endParaRPr lang="en-US"/>
           </a:p>
@@ -16880,7 +16880,7 @@
           <a:p>
             <a:r>
               <a:rPr lang="en-US"/>
-              <a:t>© 2018, FLL Tutorials, Last Edit 6/11/2018</a:t>
+              <a:t>© 2022, FLL Tutorials</a:t>
             </a:r>
           </a:p>
         </p:txBody>
@@ -17222,9 +17222,9 @@
           <a:bodyPr/>
           <a:lstStyle/>
           <a:p>
-            <a:fld id="{610E180F-0B9E-4C37-BC53-19DB9A38B958}" type="datetime1">
+            <a:fld id="{0136A095-6AA2-964F-9A46-E87245033E46}" type="datetime1">
               <a:rPr lang="en-US" smtClean="0"/>
-              <a:t>6/11/18</a:t>
+              <a:t>10/28/22</a:t>
             </a:fld>
             <a:endParaRPr lang="en-US"/>
           </a:p>
@@ -17247,7 +17247,7 @@
           <a:p>
             <a:r>
               <a:rPr lang="en-US"/>
-              <a:t>© 2018, FLL Tutorials, Last Edit 6/11/2018</a:t>
+              <a:t>© 2022, FLL Tutorials</a:t>
             </a:r>
           </a:p>
         </p:txBody>
@@ -17342,9 +17342,9 @@
           <a:bodyPr/>
           <a:lstStyle/>
           <a:p>
-            <a:fld id="{8F8A3990-AF00-437A-94FF-AB10702B56E8}" type="datetime1">
+            <a:fld id="{3D6E1CF8-D40F-D045-84B7-FF7F1017B090}" type="datetime1">
               <a:rPr lang="en-US" smtClean="0"/>
-              <a:t>6/11/18</a:t>
+              <a:t>10/28/22</a:t>
             </a:fld>
             <a:endParaRPr lang="en-US"/>
           </a:p>
@@ -17367,7 +17367,7 @@
           <a:p>
             <a:r>
               <a:rPr lang="en-US"/>
-              <a:t>© 2018, FLL Tutorials, Last Edit 6/11/2018</a:t>
+              <a:t>© 2022, FLL Tutorials</a:t>
             </a:r>
           </a:p>
         </p:txBody>
@@ -17440,9 +17440,9 @@
           <a:bodyPr/>
           <a:lstStyle/>
           <a:p>
-            <a:fld id="{FB806595-58D7-440E-885A-36BCD998784A}" type="datetime1">
+            <a:fld id="{1E96CF66-C066-1141-9EE6-1193F1A8B432}" type="datetime1">
               <a:rPr lang="en-US" smtClean="0"/>
-              <a:t>6/11/18</a:t>
+              <a:t>10/28/22</a:t>
             </a:fld>
             <a:endParaRPr lang="en-US"/>
           </a:p>
@@ -17465,7 +17465,7 @@
           <a:p>
             <a:r>
               <a:rPr lang="en-US"/>
-              <a:t>© 2018, FLL Tutorials, Last Edit 6/11/2018</a:t>
+              <a:t>© 2022, FLL Tutorials</a:t>
             </a:r>
           </a:p>
         </p:txBody>
@@ -17718,9 +17718,9 @@
           <a:bodyPr/>
           <a:lstStyle/>
           <a:p>
-            <a:fld id="{B3A33BED-A313-4842-A3CA-8B763C82A939}" type="datetime1">
+            <a:fld id="{1434E614-4550-2E46-A92C-C149B8CEB7A8}" type="datetime1">
               <a:rPr lang="en-US" smtClean="0"/>
-              <a:t>6/11/18</a:t>
+              <a:t>10/28/22</a:t>
             </a:fld>
             <a:endParaRPr lang="en-US"/>
           </a:p>
@@ -17743,7 +17743,7 @@
           <a:p>
             <a:r>
               <a:rPr lang="en-US"/>
-              <a:t>© 2018, FLL Tutorials, Last Edit 6/11/2018</a:t>
+              <a:t>© 2022, FLL Tutorials</a:t>
             </a:r>
           </a:p>
         </p:txBody>
@@ -17976,9 +17976,9 @@
           <a:bodyPr/>
           <a:lstStyle/>
           <a:p>
-            <a:fld id="{82B9242C-D018-4738-968E-B85653D145B3}" type="datetime1">
+            <a:fld id="{C00EB210-E193-B24B-8F19-85B7F74F70DB}" type="datetime1">
               <a:rPr lang="en-US" smtClean="0"/>
-              <a:t>6/11/18</a:t>
+              <a:t>10/28/22</a:t>
             </a:fld>
             <a:endParaRPr lang="en-US"/>
           </a:p>
@@ -18001,7 +18001,7 @@
           <a:p>
             <a:r>
               <a:rPr lang="en-US"/>
-              <a:t>© 2018, FLL Tutorials, Last Edit 6/11/2018</a:t>
+              <a:t>© 2022, FLL Tutorials</a:t>
             </a:r>
           </a:p>
         </p:txBody>
@@ -18147,9 +18147,9 @@
           <a:bodyPr/>
           <a:lstStyle/>
           <a:p>
-            <a:fld id="{07C6AA1E-6DEF-42F4-A93B-C6C8C47ADE91}" type="datetime1">
+            <a:fld id="{9A9E31A6-C52A-D84C-BF09-80817F4087CC}" type="datetime1">
               <a:rPr lang="en-US" smtClean="0"/>
-              <a:t>6/11/18</a:t>
+              <a:t>10/28/22</a:t>
             </a:fld>
             <a:endParaRPr lang="en-US"/>
           </a:p>
@@ -18172,7 +18172,7 @@
           <a:p>
             <a:r>
               <a:rPr lang="en-US"/>
-              <a:t>© 2018, FLL Tutorials, Last Edit 6/11/2018</a:t>
+              <a:t>© 2022, FLL Tutorials</a:t>
             </a:r>
           </a:p>
         </p:txBody>
@@ -18328,9 +18328,9 @@
           <a:bodyPr/>
           <a:lstStyle/>
           <a:p>
-            <a:fld id="{053784B8-7530-41F7-8ACD-FB8C09F03DAF}" type="datetime1">
+            <a:fld id="{CED3339A-843B-A545-8A7F-3CAB1FFF242A}" type="datetime1">
               <a:rPr lang="en-US" smtClean="0"/>
-              <a:t>6/11/18</a:t>
+              <a:t>10/28/22</a:t>
             </a:fld>
             <a:endParaRPr lang="en-US"/>
           </a:p>
@@ -18353,7 +18353,7 @@
           <a:p>
             <a:r>
               <a:rPr lang="en-US"/>
-              <a:t>© 2018, FLL Tutorials, Last Edit 6/11/2018</a:t>
+              <a:t>© 2022, FLL Tutorials</a:t>
             </a:r>
           </a:p>
         </p:txBody>
@@ -18645,9 +18645,9 @@
             </a:lvl1pPr>
           </a:lstStyle>
           <a:p>
-            <a:fld id="{E7643207-7CF7-4147-9876-9C093BEC3E11}" type="datetime1">
+            <a:fld id="{5DCBD857-826C-6945-8FE3-005D9CE9B796}" type="datetime1">
               <a:rPr lang="en-US" smtClean="0"/>
-              <a:t>6/11/18</a:t>
+              <a:t>10/28/22</a:t>
             </a:fld>
             <a:endParaRPr lang="en-US"/>
           </a:p>
@@ -18689,7 +18689,7 @@
           <a:p>
             <a:r>
               <a:rPr lang="en-US"/>
-              <a:t>© 2018, FLL Tutorials, Last Edit 6/11/2018</a:t>
+              <a:t>© 2022, FLL Tutorials</a:t>
             </a:r>
           </a:p>
         </p:txBody>
@@ -18978,9 +18978,9 @@
             </a:lvl1pPr>
           </a:lstStyle>
           <a:p>
-            <a:fld id="{63E0A53D-298F-4AA6-8E13-F9DF1003C6C4}" type="datetime1">
+            <a:fld id="{22F6C7EA-EB78-C04A-8EF6-F0485ED93D5A}" type="datetime1">
               <a:rPr lang="en-US" smtClean="0"/>
-              <a:t>6/11/18</a:t>
+              <a:t>10/28/22</a:t>
             </a:fld>
             <a:endParaRPr lang="en-US"/>
           </a:p>
@@ -19025,7 +19025,7 @@
           <a:p>
             <a:r>
               <a:rPr lang="en-US"/>
-              <a:t>© 2018, FLL Tutorials, Last Edit 6/11/2018</a:t>
+              <a:t>© 2022, FLL Tutorials</a:t>
             </a:r>
           </a:p>
         </p:txBody>
@@ -19432,7 +19432,7 @@
             <a:fld id="{B61BEF0D-F0BB-DE4B-95CE-6DB70DBA9567}" type="datetimeFigureOut">
               <a:rPr lang="en-US" smtClean="0"/>
               <a:pPr/>
-              <a:t>6/11/18</a:t>
+              <a:t>10/28/22</a:t>
             </a:fld>
             <a:endParaRPr lang="en-US" dirty="0"/>
           </a:p>
@@ -19748,9 +19748,9 @@
           <a:bodyPr/>
           <a:lstStyle/>
           <a:p>
-            <a:fld id="{1C215A3D-8A88-4A12-AD9C-0A016B1E3F1C}" type="datetime1">
+            <a:fld id="{1E627198-F55A-9048-9154-066C696A9482}" type="datetime1">
               <a:rPr lang="en-US" smtClean="0"/>
-              <a:t>6/11/18</a:t>
+              <a:t>10/28/22</a:t>
             </a:fld>
             <a:endParaRPr lang="en-US"/>
           </a:p>
@@ -19773,7 +19773,7 @@
           <a:p>
             <a:r>
               <a:rPr lang="en-US"/>
-              <a:t>© 2018, FLL Tutorials, Last Edit 6/11/2018</a:t>
+              <a:t>© 2022, FLL Tutorials</a:t>
             </a:r>
           </a:p>
         </p:txBody>
@@ -20034,9 +20034,9 @@
           <a:bodyPr/>
           <a:lstStyle/>
           <a:p>
-            <a:fld id="{3540E135-3737-404D-9015-72C85F03CA09}" type="datetime1">
+            <a:fld id="{79ED4AEE-7EDD-D64A-9188-4CC893F4C027}" type="datetime1">
               <a:rPr lang="en-US" smtClean="0"/>
-              <a:t>6/11/18</a:t>
+              <a:t>10/28/22</a:t>
             </a:fld>
             <a:endParaRPr lang="en-US"/>
           </a:p>
@@ -20067,7 +20067,7 @@
           <a:p>
             <a:r>
               <a:rPr lang="en-US"/>
-              <a:t>© 2018, FLL Tutorials, Last Edit 6/11/2018</a:t>
+              <a:t>© 2022, FLL Tutorials</a:t>
             </a:r>
           </a:p>
         </p:txBody>
@@ -20482,9 +20482,9 @@
           <a:bodyPr/>
           <a:lstStyle/>
           <a:p>
-            <a:fld id="{91052528-7FF0-49C8-B22C-2C88C330E8BC}" type="datetime1">
+            <a:fld id="{34738E6C-9ECA-2D40-83C2-6013A0C0F24F}" type="datetime1">
               <a:rPr lang="en-US" smtClean="0"/>
-              <a:t>6/11/18</a:t>
+              <a:t>10/28/22</a:t>
             </a:fld>
             <a:endParaRPr lang="en-US"/>
           </a:p>
@@ -20515,7 +20515,7 @@
           <a:p>
             <a:r>
               <a:rPr lang="en-US"/>
-              <a:t>© 2018, FLL Tutorials, Last Edit 6/11/2018</a:t>
+              <a:t>© 2022, FLL Tutorials</a:t>
             </a:r>
           </a:p>
         </p:txBody>
@@ -20666,9 +20666,9 @@
           <a:bodyPr/>
           <a:lstStyle/>
           <a:p>
-            <a:fld id="{86306EF7-0AE3-4F54-ADD0-6196865E8B35}" type="datetime1">
+            <a:fld id="{06D7AE09-61D3-6C45-A34A-33FEE424EAB7}" type="datetime1">
               <a:rPr lang="en-US" smtClean="0"/>
-              <a:t>6/11/18</a:t>
+              <a:t>10/28/22</a:t>
             </a:fld>
             <a:endParaRPr lang="en-US"/>
           </a:p>
@@ -20699,7 +20699,7 @@
           <a:p>
             <a:r>
               <a:rPr lang="en-US"/>
-              <a:t>© 2018, FLL Tutorials, Last Edit 6/11/2018</a:t>
+              <a:t>© 2022, FLL Tutorials</a:t>
             </a:r>
           </a:p>
         </p:txBody>
@@ -20788,9 +20788,9 @@
           <a:bodyPr/>
           <a:lstStyle/>
           <a:p>
-            <a:fld id="{1C1C59ED-C8F0-4771-924D-03FBD29510A5}" type="datetime1">
+            <a:fld id="{0E69B0BF-DDEA-7640-9209-247188D393B7}" type="datetime1">
               <a:rPr lang="en-US" smtClean="0"/>
-              <a:t>6/11/18</a:t>
+              <a:t>10/28/22</a:t>
             </a:fld>
             <a:endParaRPr lang="en-US"/>
           </a:p>
@@ -20821,7 +20821,7 @@
           <a:p>
             <a:r>
               <a:rPr lang="en-US"/>
-              <a:t>© 2018, FLL Tutorials, Last Edit 6/11/2018</a:t>
+              <a:t>© 2022, FLL Tutorials</a:t>
             </a:r>
           </a:p>
         </p:txBody>
@@ -21193,9 +21193,9 @@
             </a:lvl1pPr>
           </a:lstStyle>
           <a:p>
-            <a:fld id="{B04F4604-7033-4677-BB91-CF66BFAEB38E}" type="datetime1">
+            <a:fld id="{67520808-BBE1-004F-ADAA-BB59994EB3ED}" type="datetime1">
               <a:rPr lang="en-US" smtClean="0"/>
-              <a:t>6/11/18</a:t>
+              <a:t>10/28/22</a:t>
             </a:fld>
             <a:endParaRPr lang="en-US"/>
           </a:p>
@@ -21237,7 +21237,7 @@
           <a:p>
             <a:r>
               <a:rPr lang="en-US"/>
-              <a:t>© 2018, FLL Tutorials, Last Edit 6/11/2018</a:t>
+              <a:t>© 2022, FLL Tutorials</a:t>
             </a:r>
           </a:p>
         </p:txBody>
@@ -21509,9 +21509,9 @@
           <a:bodyPr/>
           <a:lstStyle/>
           <a:p>
-            <a:fld id="{FF122D46-83CB-4FB8-B2F5-C4F7DEA85956}" type="datetime1">
+            <a:fld id="{EF8A4DAB-65B8-6242-AAF7-90687E013CB8}" type="datetime1">
               <a:rPr lang="en-US" smtClean="0"/>
-              <a:t>6/11/18</a:t>
+              <a:t>10/28/22</a:t>
             </a:fld>
             <a:endParaRPr lang="en-US"/>
           </a:p>
@@ -21542,7 +21542,7 @@
           <a:p>
             <a:r>
               <a:rPr lang="en-US"/>
-              <a:t>© 2018, FLL Tutorials, Last Edit 6/11/2018</a:t>
+              <a:t>© 2022, FLL Tutorials</a:t>
             </a:r>
           </a:p>
         </p:txBody>
@@ -21761,9 +21761,9 @@
           <a:bodyPr/>
           <a:lstStyle/>
           <a:p>
-            <a:fld id="{4A91ED1B-73F7-4D63-BDAE-5A2C3A784198}" type="datetime1">
+            <a:fld id="{546DDE0D-D90A-D245-8904-9AEF56FF03E3}" type="datetime1">
               <a:rPr lang="en-US" smtClean="0"/>
-              <a:t>6/11/18</a:t>
+              <a:t>10/28/22</a:t>
             </a:fld>
             <a:endParaRPr lang="en-US"/>
           </a:p>
@@ -21794,7 +21794,7 @@
           <a:p>
             <a:r>
               <a:rPr lang="en-US"/>
-              <a:t>© 2018, FLL Tutorials, Last Edit 6/11/2018</a:t>
+              <a:t>© 2022, FLL Tutorials</a:t>
             </a:r>
           </a:p>
         </p:txBody>
@@ -22018,9 +22018,9 @@
             </a:lvl1pPr>
           </a:lstStyle>
           <a:p>
-            <a:fld id="{27D7011D-52F7-4023-8B6B-5220E4BAD453}" type="datetime1">
+            <a:fld id="{7BDDFA95-D852-0643-956C-309AB9C3EC57}" type="datetime1">
               <a:rPr lang="en-US" smtClean="0"/>
-              <a:t>6/11/18</a:t>
+              <a:t>10/28/22</a:t>
             </a:fld>
             <a:endParaRPr lang="en-US"/>
           </a:p>
@@ -22051,7 +22051,7 @@
           <a:p>
             <a:r>
               <a:rPr lang="en-US"/>
-              <a:t>© 2018, FLL Tutorials, Last Edit 6/11/2018</a:t>
+              <a:t>© 2022, FLL Tutorials</a:t>
             </a:r>
           </a:p>
         </p:txBody>
@@ -22295,9 +22295,9 @@
           <a:bodyPr/>
           <a:lstStyle/>
           <a:p>
-            <a:fld id="{CB23D568-1D2F-4DD9-9160-0DF45602DE04}" type="datetime1">
+            <a:fld id="{60C699BA-B54F-9946-940B-3465FB03EA99}" type="datetime1">
               <a:rPr lang="en-US" smtClean="0"/>
-              <a:t>6/11/18</a:t>
+              <a:t>10/28/22</a:t>
             </a:fld>
             <a:endParaRPr lang="en-US"/>
           </a:p>
@@ -22320,7 +22320,7 @@
           <a:p>
             <a:r>
               <a:rPr lang="en-US"/>
-              <a:t>© 2018, FLL Tutorials, Last Edit 6/11/2018</a:t>
+              <a:t>© 2022, FLL Tutorials</a:t>
             </a:r>
           </a:p>
         </p:txBody>
@@ -22595,9 +22595,9 @@
           <a:bodyPr/>
           <a:lstStyle/>
           <a:p>
-            <a:fld id="{15FFEEA4-3729-4E9A-B292-3EFB071C0976}" type="datetime1">
+            <a:fld id="{EB9F5554-4564-994E-A978-81EF633D24C3}" type="datetime1">
               <a:rPr lang="en-US" smtClean="0"/>
-              <a:t>6/11/18</a:t>
+              <a:t>10/28/22</a:t>
             </a:fld>
             <a:endParaRPr lang="en-US"/>
           </a:p>
@@ -22620,7 +22620,7 @@
           <a:p>
             <a:r>
               <a:rPr lang="en-US"/>
-              <a:t>© 2018, FLL Tutorials, Last Edit 6/11/2018</a:t>
+              <a:t>© 2022, FLL Tutorials</a:t>
             </a:r>
           </a:p>
         </p:txBody>
@@ -22896,9 +22896,9 @@
             </a:lvl1pPr>
           </a:lstStyle>
           <a:p>
-            <a:fld id="{DAB87264-29EA-4AFA-B938-D48B40A8AE01}" type="datetime1">
+            <a:fld id="{5B54EDD6-BD3E-E047-957E-1C5A8EE937DE}" type="datetime1">
               <a:rPr lang="en-US" smtClean="0"/>
-              <a:t>6/11/18</a:t>
+              <a:t>10/28/22</a:t>
             </a:fld>
             <a:endParaRPr lang="en-US"/>
           </a:p>
@@ -22937,7 +22937,7 @@
           <a:p>
             <a:r>
               <a:rPr lang="en-US"/>
-              <a:t>© 2018, FLL Tutorials, Last Edit 6/11/2018</a:t>
+              <a:t>© 2022, FLL Tutorials</a:t>
             </a:r>
           </a:p>
         </p:txBody>
@@ -23848,9 +23848,9 @@
             </a:lvl1pPr>
           </a:lstStyle>
           <a:p>
-            <a:fld id="{E2A0F731-C666-44B8-9A47-D47185E1694B}" type="datetime1">
+            <a:fld id="{B001C720-3869-4140-94DA-E2E9C1054EDB}" type="datetime1">
               <a:rPr lang="en-US" smtClean="0"/>
-              <a:t>6/11/18</a:t>
+              <a:t>10/28/22</a:t>
             </a:fld>
             <a:endParaRPr lang="en-US"/>
           </a:p>
@@ -23889,7 +23889,7 @@
           <a:p>
             <a:r>
               <a:rPr lang="en-US"/>
-              <a:t>© 2018, FLL Tutorials, Last Edit 6/11/2018</a:t>
+              <a:t>© 2022, FLL Tutorials</a:t>
             </a:r>
           </a:p>
         </p:txBody>
@@ -24906,9 +24906,9 @@
             </a:lvl1pPr>
           </a:lstStyle>
           <a:p>
-            <a:fld id="{50B6538E-8C39-44B9-A1A0-D2D25F1F318B}" type="datetime1">
+            <a:fld id="{C015C1FD-F668-8349-904A-EA88263B906F}" type="datetime1">
               <a:rPr lang="en-US" smtClean="0"/>
-              <a:t>6/11/18</a:t>
+              <a:t>10/28/22</a:t>
             </a:fld>
             <a:endParaRPr lang="en-US"/>
           </a:p>
@@ -24949,7 +24949,7 @@
           <a:p>
             <a:r>
               <a:rPr lang="en-US"/>
-              <a:t>© 2018, FLL Tutorials, Last Edit 6/11/2018</a:t>
+              <a:t>© 2022, FLL Tutorials</a:t>
             </a:r>
           </a:p>
         </p:txBody>
@@ -25448,9 +25448,9 @@
             </a:lvl1pPr>
           </a:lstStyle>
           <a:p>
-            <a:fld id="{CDBDACD6-394F-4292-B47C-2F8270AE138A}" type="datetime1">
+            <a:fld id="{D9C4E844-06DA-8D48-9F55-B5044809EBBD}" type="datetime1">
               <a:rPr lang="en-US" smtClean="0"/>
-              <a:t>6/11/18</a:t>
+              <a:t>10/28/22</a:t>
             </a:fld>
             <a:endParaRPr lang="en-US"/>
           </a:p>
@@ -25489,7 +25489,7 @@
           <a:p>
             <a:r>
               <a:rPr lang="en-US"/>
-              <a:t>© 2018, FLL Tutorials, Last Edit 6/11/2018</a:t>
+              <a:t>© 2022, FLL Tutorials</a:t>
             </a:r>
           </a:p>
         </p:txBody>
@@ -26817,9 +26817,9 @@
             </a:lvl1pPr>
           </a:lstStyle>
           <a:p>
-            <a:fld id="{272F0CC6-F7BB-4ABA-A8ED-AB16E737A846}" type="datetime1">
+            <a:fld id="{AC13B329-CB32-3A4E-8B15-C7132F606786}" type="datetime1">
               <a:rPr lang="en-US" smtClean="0"/>
-              <a:t>6/11/18</a:t>
+              <a:t>10/28/22</a:t>
             </a:fld>
             <a:endParaRPr lang="en-US"/>
           </a:p>
@@ -26858,7 +26858,7 @@
           <a:p>
             <a:r>
               <a:rPr lang="en-US"/>
-              <a:t>© 2018, FLL Tutorials, Last Edit 6/11/2018</a:t>
+              <a:t>© 2022, FLL Tutorials</a:t>
             </a:r>
           </a:p>
         </p:txBody>
@@ -27895,9 +27895,9 @@
             </a:lvl1pPr>
           </a:lstStyle>
           <a:p>
-            <a:fld id="{D466388A-4E02-4C6F-8DA9-9E25328FE79A}" type="datetime1">
+            <a:fld id="{789005E4-48F2-B547-840D-9A6A28EA57D6}" type="datetime1">
               <a:rPr lang="en-US" smtClean="0"/>
-              <a:t>6/11/18</a:t>
+              <a:t>10/28/22</a:t>
             </a:fld>
             <a:endParaRPr lang="en-US"/>
           </a:p>
@@ -27938,7 +27938,7 @@
           <a:p>
             <a:r>
               <a:rPr lang="en-US"/>
-              <a:t>© 2018, FLL Tutorials, Last Edit 6/11/2018</a:t>
+              <a:t>© 2022, FLL Tutorials</a:t>
             </a:r>
           </a:p>
         </p:txBody>
@@ -28557,9 +28557,9 @@
             </a:lvl1pPr>
           </a:lstStyle>
           <a:p>
-            <a:fld id="{DAB87264-29EA-4AFA-B938-D48B40A8AE01}" type="datetime1">
+            <a:fld id="{D78C55D8-E682-DF47-A388-613094F188F5}" type="datetime1">
               <a:rPr lang="en-US" smtClean="0"/>
-              <a:t>6/11/18</a:t>
+              <a:t>10/28/22</a:t>
             </a:fld>
             <a:endParaRPr lang="en-US"/>
           </a:p>
@@ -28607,7 +28607,7 @@
           <a:p>
             <a:r>
               <a:rPr lang="en-US"/>
-              <a:t>© 2018, FLL Tutorials, Last Edit 6/11/2018</a:t>
+              <a:t>© 2022, FLL Tutorials</a:t>
             </a:r>
           </a:p>
         </p:txBody>
@@ -29091,7 +29091,7 @@
             <a:pPr algn="ctr"/>
             <a:r>
               <a:rPr lang="en-US" dirty="0"/>
-              <a:t>Color sensor positioning &amp; shielding</a:t>
+              <a:t>Color sensor positioning &amp; shielding FOR EV3</a:t>
             </a:r>
           </a:p>
         </p:txBody>
@@ -29263,7 +29263,7 @@
           <a:p>
             <a:r>
               <a:rPr lang="en-US"/>
-              <a:t>© 2018, FLL Tutorials, Last Edit 6/11/2018</a:t>
+              <a:t>© 2022, FLL Tutorials</a:t>
             </a:r>
           </a:p>
         </p:txBody>
@@ -29414,7 +29414,7 @@
           <a:p>
             <a:r>
               <a:rPr lang="en-US"/>
-              <a:t>© 2018, FLL Tutorials, Last Edit 6/11/2018</a:t>
+              <a:t>© 2022, FLL Tutorials</a:t>
             </a:r>
           </a:p>
         </p:txBody>
@@ -29609,7 +29609,7 @@
           <a:p>
             <a:r>
               <a:rPr lang="en-US"/>
-              <a:t>© 2018, FLL Tutorials, Last Edit 6/11/2018</a:t>
+              <a:t>© 2022, FLL Tutorials</a:t>
             </a:r>
           </a:p>
         </p:txBody>
@@ -29806,7 +29806,7 @@
           <a:p>
             <a:r>
               <a:rPr lang="en-US"/>
-              <a:t>© 2018, FLL Tutorials, Last Edit 6/11/2018</a:t>
+              <a:t>© 2022, FLL Tutorials</a:t>
             </a:r>
             <a:endParaRPr lang="en-US" dirty="0"/>
           </a:p>
@@ -30029,7 +30029,7 @@
           <a:p>
             <a:r>
               <a:rPr lang="en-US"/>
-              <a:t>© 2018, FLL Tutorials, Last Edit 6/11/2018</a:t>
+              <a:t>© 2022, FLL Tutorials</a:t>
             </a:r>
             <a:endParaRPr lang="en-US" dirty="0"/>
           </a:p>
@@ -30220,7 +30220,7 @@
           <a:p>
             <a:r>
               <a:rPr lang="en-US"/>
-              <a:t>© 2018, FLL Tutorials, Last Edit 6/11/2018</a:t>
+              <a:t>© 2022, FLL Tutorials</a:t>
             </a:r>
             <a:endParaRPr lang="en-US" dirty="0"/>
           </a:p>
@@ -30525,7 +30525,7 @@
           <a:p>
             <a:r>
               <a:rPr lang="en-US"/>
-              <a:t>© 2018, FLL Tutorials, Last Edit 6/11/2018</a:t>
+              <a:t>© 2022, FLL Tutorials</a:t>
             </a:r>
           </a:p>
         </p:txBody>
@@ -30555,7 +30555,7 @@
           <a:effectLst/>
           <a:extLst>
             <a:ext uri="{91240B29-F687-4f45-9708-019B960494DF}">
-              <a14:hiddenLine xmlns="" xmlns:a14="http://schemas.microsoft.com/office/drawing/2010/main" w="9525">
+              <a14:hiddenLine xmlns:a14="http://schemas.microsoft.com/office/drawing/2010/main" xmlns="" w="9525">
                 <a:solidFill>
                   <a:schemeClr val="tx1"/>
                 </a:solidFill>
@@ -30565,7 +30565,7 @@
               </a14:hiddenLine>
             </a:ext>
             <a:ext uri="{AF507438-7753-43e0-B8FC-AC1667EBCBE1}">
-              <a14:hiddenEffects xmlns="" xmlns:a14="http://schemas.microsoft.com/office/drawing/2010/main">
+              <a14:hiddenEffects xmlns:a14="http://schemas.microsoft.com/office/drawing/2010/main" xmlns="">
                 <a:effectLst>
                   <a:outerShdw dist="35921" dir="2700000" algn="ctr" rotWithShape="0">
                     <a:schemeClr val="bg2"/>
@@ -30906,7 +30906,7 @@
           <a:noFill/>
           <a:extLst>
             <a:ext uri="{909E8E84-426E-40dd-AFC4-6F175D3DCCD1}">
-              <a14:hiddenFill xmlns="" xmlns:a14="http://schemas.microsoft.com/office/drawing/2010/main">
+              <a14:hiddenFill xmlns:a14="http://schemas.microsoft.com/office/drawing/2010/main" xmlns="">
                 <a:solidFill>
                   <a:srgbClr val="FFFFFF"/>
                 </a:solidFill>
